--- a/resources/general_designe.pptx
+++ b/resources/general_designe.pptx
@@ -107,6 +107,11 @@
       </a:defRPr>
     </a:lvl9pPr>
   </p:defaultTextStyle>
+  <p:extLst>
+    <p:ext uri="{EFAFB233-063F-42B5-8137-9DF3F51BA10A}">
+      <p15:sldGuideLst xmlns:p15="http://schemas.microsoft.com/office/powerpoint/2012/main"/>
+    </p:ext>
+  </p:extLst>
 </p:presentation>
 </file>
 
@@ -7201,7 +7206,9 @@
           <a:gradFill flip="none" rotWithShape="1">
             <a:gsLst>
               <a:gs pos="1000">
-                <a:schemeClr val="tx1"/>
+                <a:srgbClr val="000000">
+                  <a:alpha val="0"/>
+                </a:srgbClr>
               </a:gs>
               <a:gs pos="100000">
                 <a:srgbClr val="005000"/>
